--- a/poster_credentia.pptx
+++ b/poster_credentia.pptx
@@ -5,11 +5,10 @@
     <p:sldMasterId id="2147483648" r:id="rId1"/>
   </p:sldMasterIdLst>
   <p:notesMasterIdLst>
-    <p:notesMasterId r:id="rId4"/>
+    <p:notesMasterId r:id="rId3"/>
   </p:notesMasterIdLst>
   <p:sldIdLst>
     <p:sldId id="260" r:id="rId2"/>
-    <p:sldId id="261" r:id="rId3"/>
   </p:sldIdLst>
   <p:sldSz cx="27000200" cy="37799963"/>
   <p:notesSz cx="10234613" cy="7099300"/>
@@ -3680,7 +3679,595 @@
         </p:nvSpPr>
         <p:spPr>
           <a:xfrm>
-            <a:off x="1038962" y="4309460"/>
+            <a:off x="1038961" y="4309460"/>
+            <a:ext cx="11525037" cy="1648978"/>
+          </a:xfrm>
+          <a:prstGeom prst="roundRect">
+            <a:avLst/>
+          </a:prstGeom>
+        </p:spPr>
+        <p:style>
+          <a:lnRef idx="2">
+            <a:schemeClr val="accent1">
+              <a:shade val="15000"/>
+            </a:schemeClr>
+          </a:lnRef>
+          <a:fillRef idx="1">
+            <a:schemeClr val="accent1"/>
+          </a:fillRef>
+          <a:effectRef idx="0">
+            <a:schemeClr val="accent1"/>
+          </a:effectRef>
+          <a:fontRef idx="minor">
+            <a:schemeClr val="lt1"/>
+          </a:fontRef>
+        </p:style>
+        <p:txBody>
+          <a:bodyPr rtlCol="0" anchor="ctr"/>
+          <a:lstStyle/>
+          <a:p>
+            <a:pPr algn="ctr"/>
+            <a:r>
+              <a:rPr lang="es-ES" dirty="0"/>
+              <a:t>Problema</a:t>
+            </a:r>
+          </a:p>
+        </p:txBody>
+      </p:sp>
+      <p:sp>
+        <p:nvSpPr>
+          <p:cNvPr id="9" name="Rectángulo 8">
+            <a:extLst>
+              <a:ext uri="{FF2B5EF4-FFF2-40B4-BE49-F238E27FC236}">
+                <a16:creationId xmlns:a16="http://schemas.microsoft.com/office/drawing/2014/main" id="{9FA287AD-E5DC-CE29-5C68-024C61550AD2}"/>
+              </a:ext>
+            </a:extLst>
+          </p:cNvPr>
+          <p:cNvSpPr/>
+          <p:nvPr/>
+        </p:nvSpPr>
+        <p:spPr>
+          <a:xfrm>
+            <a:off x="1025118" y="6765457"/>
+            <a:ext cx="11538880" cy="3853604"/>
+          </a:xfrm>
+          <a:prstGeom prst="rect">
+            <a:avLst/>
+          </a:prstGeom>
+          <a:noFill/>
+          <a:ln>
+            <a:noFill/>
+          </a:ln>
+        </p:spPr>
+        <p:style>
+          <a:lnRef idx="2">
+            <a:schemeClr val="accent1">
+              <a:shade val="15000"/>
+            </a:schemeClr>
+          </a:lnRef>
+          <a:fillRef idx="1">
+            <a:schemeClr val="accent1"/>
+          </a:fillRef>
+          <a:effectRef idx="0">
+            <a:schemeClr val="accent1"/>
+          </a:effectRef>
+          <a:fontRef idx="minor">
+            <a:schemeClr val="lt1"/>
+          </a:fontRef>
+        </p:style>
+        <p:txBody>
+          <a:bodyPr rtlCol="0" anchor="ctr"/>
+          <a:lstStyle/>
+          <a:p>
+            <a:r>
+              <a:rPr lang="es-ES" sz="3200" dirty="0">
+                <a:solidFill>
+                  <a:schemeClr val="tx1"/>
+                </a:solidFill>
+              </a:rPr>
+              <a:t>El fraude en títulos y diplomas académicos es un desafío creciente a nivel mundial. Actualmente, la verificación de credenciales es un proceso:</a:t>
+            </a:r>
+          </a:p>
+          <a:p>
+            <a:pPr marL="457200" indent="-457200">
+              <a:buFont typeface="Arial" panose="020B0604020202020204" pitchFamily="34" charset="0"/>
+              <a:buChar char="•"/>
+            </a:pPr>
+            <a:endParaRPr lang="es-ES" sz="3200" dirty="0">
+              <a:solidFill>
+                <a:schemeClr val="tx1"/>
+              </a:solidFill>
+            </a:endParaRPr>
+          </a:p>
+          <a:p>
+            <a:pPr marL="457200" indent="-457200">
+              <a:buFont typeface="Arial" panose="020B0604020202020204" pitchFamily="34" charset="0"/>
+              <a:buChar char="•"/>
+            </a:pPr>
+            <a:r>
+              <a:rPr lang="es-ES" sz="3200" b="1" dirty="0">
+                <a:solidFill>
+                  <a:schemeClr val="tx1"/>
+                </a:solidFill>
+              </a:rPr>
+              <a:t>Lento</a:t>
+            </a:r>
+            <a:r>
+              <a:rPr lang="es-ES" sz="3200" dirty="0">
+                <a:solidFill>
+                  <a:schemeClr val="tx1"/>
+                </a:solidFill>
+              </a:rPr>
+              <a:t> (requiere contacto con universidades).</a:t>
+            </a:r>
+          </a:p>
+          <a:p>
+            <a:pPr marL="457200" indent="-457200">
+              <a:buFont typeface="Arial" panose="020B0604020202020204" pitchFamily="34" charset="0"/>
+              <a:buChar char="•"/>
+            </a:pPr>
+            <a:r>
+              <a:rPr lang="es-ES" sz="3200" b="1" dirty="0">
+                <a:solidFill>
+                  <a:schemeClr val="tx1"/>
+                </a:solidFill>
+              </a:rPr>
+              <a:t>Costoso</a:t>
+            </a:r>
+            <a:r>
+              <a:rPr lang="es-ES" sz="3200" dirty="0">
+                <a:solidFill>
+                  <a:schemeClr val="tx1"/>
+                </a:solidFill>
+              </a:rPr>
+              <a:t> (inversión en sistemas centralizados).</a:t>
+            </a:r>
+          </a:p>
+          <a:p>
+            <a:pPr marL="457200" indent="-457200">
+              <a:buFont typeface="Arial" panose="020B0604020202020204" pitchFamily="34" charset="0"/>
+              <a:buChar char="•"/>
+            </a:pPr>
+            <a:r>
+              <a:rPr lang="es-ES" sz="3200" b="1" dirty="0">
+                <a:solidFill>
+                  <a:schemeClr val="tx1"/>
+                </a:solidFill>
+              </a:rPr>
+              <a:t>Inseguro</a:t>
+            </a:r>
+            <a:r>
+              <a:rPr lang="es-ES" sz="3200" dirty="0">
+                <a:solidFill>
+                  <a:schemeClr val="tx1"/>
+                </a:solidFill>
+              </a:rPr>
+              <a:t> (documentos manipulables o falsificados).</a:t>
+            </a:r>
+          </a:p>
+        </p:txBody>
+      </p:sp>
+      <p:sp>
+        <p:nvSpPr>
+          <p:cNvPr id="10" name="Rectángulo: esquinas redondeadas 9">
+            <a:extLst>
+              <a:ext uri="{FF2B5EF4-FFF2-40B4-BE49-F238E27FC236}">
+                <a16:creationId xmlns:a16="http://schemas.microsoft.com/office/drawing/2014/main" id="{0DEE0E8F-C55E-541D-25EE-66D868BA1C1C}"/>
+              </a:ext>
+            </a:extLst>
+          </p:cNvPr>
+          <p:cNvSpPr/>
+          <p:nvPr/>
+        </p:nvSpPr>
+        <p:spPr>
+          <a:xfrm>
+            <a:off x="14436202" y="4358144"/>
+            <a:ext cx="11110985" cy="1520737"/>
+          </a:xfrm>
+          <a:prstGeom prst="roundRect">
+            <a:avLst/>
+          </a:prstGeom>
+        </p:spPr>
+        <p:style>
+          <a:lnRef idx="2">
+            <a:schemeClr val="accent1">
+              <a:shade val="15000"/>
+            </a:schemeClr>
+          </a:lnRef>
+          <a:fillRef idx="1">
+            <a:schemeClr val="accent1"/>
+          </a:fillRef>
+          <a:effectRef idx="0">
+            <a:schemeClr val="accent1"/>
+          </a:effectRef>
+          <a:fontRef idx="minor">
+            <a:schemeClr val="lt1"/>
+          </a:fontRef>
+        </p:style>
+        <p:txBody>
+          <a:bodyPr rtlCol="0" anchor="ctr"/>
+          <a:lstStyle/>
+          <a:p>
+            <a:pPr algn="ctr"/>
+            <a:r>
+              <a:rPr lang="es-ES" dirty="0"/>
+              <a:t>Objetivos</a:t>
+            </a:r>
+          </a:p>
+        </p:txBody>
+      </p:sp>
+      <p:sp>
+        <p:nvSpPr>
+          <p:cNvPr id="12" name="Rectángulo 11">
+            <a:extLst>
+              <a:ext uri="{FF2B5EF4-FFF2-40B4-BE49-F238E27FC236}">
+                <a16:creationId xmlns:a16="http://schemas.microsoft.com/office/drawing/2014/main" id="{C2F6E479-19C4-D909-BFFE-9B999432B27D}"/>
+              </a:ext>
+            </a:extLst>
+          </p:cNvPr>
+          <p:cNvSpPr/>
+          <p:nvPr/>
+        </p:nvSpPr>
+        <p:spPr>
+          <a:xfrm>
+            <a:off x="14192458" y="6765457"/>
+            <a:ext cx="11079490" cy="2569976"/>
+          </a:xfrm>
+          <a:prstGeom prst="rect">
+            <a:avLst/>
+          </a:prstGeom>
+          <a:noFill/>
+          <a:ln>
+            <a:noFill/>
+          </a:ln>
+        </p:spPr>
+        <p:style>
+          <a:lnRef idx="2">
+            <a:schemeClr val="accent1">
+              <a:shade val="15000"/>
+            </a:schemeClr>
+          </a:lnRef>
+          <a:fillRef idx="1">
+            <a:schemeClr val="accent1"/>
+          </a:fillRef>
+          <a:effectRef idx="0">
+            <a:schemeClr val="accent1"/>
+          </a:effectRef>
+          <a:fontRef idx="minor">
+            <a:schemeClr val="lt1"/>
+          </a:fontRef>
+        </p:style>
+        <p:txBody>
+          <a:bodyPr rtlCol="0" anchor="ctr"/>
+          <a:lstStyle/>
+          <a:p>
+            <a:pPr marL="457200" indent="-457200">
+              <a:buFont typeface="Arial" panose="020B0604020202020204" pitchFamily="34" charset="0"/>
+              <a:buChar char="•"/>
+            </a:pPr>
+            <a:r>
+              <a:rPr lang="es-ES" sz="3200" dirty="0">
+                <a:solidFill>
+                  <a:schemeClr val="tx1"/>
+                </a:solidFill>
+              </a:rPr>
+              <a:t>Garantizar la </a:t>
+            </a:r>
+            <a:r>
+              <a:rPr lang="es-ES" sz="3200" b="1" dirty="0">
+                <a:solidFill>
+                  <a:schemeClr val="tx1"/>
+                </a:solidFill>
+              </a:rPr>
+              <a:t>autenticidad</a:t>
+            </a:r>
+            <a:r>
+              <a:rPr lang="es-ES" sz="3200" dirty="0">
+                <a:solidFill>
+                  <a:schemeClr val="tx1"/>
+                </a:solidFill>
+              </a:rPr>
+              <a:t> de títulos académicos.</a:t>
+            </a:r>
+          </a:p>
+          <a:p>
+            <a:pPr marL="457200" indent="-457200">
+              <a:buFont typeface="Arial" panose="020B0604020202020204" pitchFamily="34" charset="0"/>
+              <a:buChar char="•"/>
+            </a:pPr>
+            <a:r>
+              <a:rPr lang="es-ES" sz="3200" dirty="0">
+                <a:solidFill>
+                  <a:schemeClr val="tx1"/>
+                </a:solidFill>
+              </a:rPr>
+              <a:t>Reducir la </a:t>
+            </a:r>
+            <a:r>
+              <a:rPr lang="es-ES" sz="3200" b="1" dirty="0">
+                <a:solidFill>
+                  <a:schemeClr val="tx1"/>
+                </a:solidFill>
+              </a:rPr>
+              <a:t>falsificación</a:t>
+            </a:r>
+            <a:r>
+              <a:rPr lang="es-ES" sz="3200" dirty="0">
+                <a:solidFill>
+                  <a:schemeClr val="tx1"/>
+                </a:solidFill>
+              </a:rPr>
+              <a:t> y aumentar la confianza institucional.</a:t>
+            </a:r>
+          </a:p>
+          <a:p>
+            <a:pPr marL="457200" indent="-457200">
+              <a:buFont typeface="Arial" panose="020B0604020202020204" pitchFamily="34" charset="0"/>
+              <a:buChar char="•"/>
+            </a:pPr>
+            <a:r>
+              <a:rPr lang="es-ES" sz="3200" dirty="0">
+                <a:solidFill>
+                  <a:schemeClr val="tx1"/>
+                </a:solidFill>
+              </a:rPr>
+              <a:t>Simplificar la </a:t>
+            </a:r>
+            <a:r>
+              <a:rPr lang="es-ES" sz="3200" b="1" dirty="0">
+                <a:solidFill>
+                  <a:schemeClr val="tx1"/>
+                </a:solidFill>
+              </a:rPr>
+              <a:t>verificación</a:t>
+            </a:r>
+            <a:r>
+              <a:rPr lang="es-ES" sz="3200" dirty="0">
+                <a:solidFill>
+                  <a:schemeClr val="tx1"/>
+                </a:solidFill>
+              </a:rPr>
+              <a:t> para empresas y universidades.</a:t>
+            </a:r>
+          </a:p>
+          <a:p>
+            <a:pPr marL="457200" indent="-457200">
+              <a:buFont typeface="Arial" panose="020B0604020202020204" pitchFamily="34" charset="0"/>
+              <a:buChar char="•"/>
+            </a:pPr>
+            <a:r>
+              <a:rPr lang="es-ES" sz="3200" dirty="0">
+                <a:solidFill>
+                  <a:schemeClr val="tx1"/>
+                </a:solidFill>
+              </a:rPr>
+              <a:t>Desarrollar un </a:t>
+            </a:r>
+            <a:r>
+              <a:rPr lang="es-ES" sz="3200" b="1" dirty="0">
+                <a:solidFill>
+                  <a:schemeClr val="tx1"/>
+                </a:solidFill>
+              </a:rPr>
+              <a:t>prototipo funcional </a:t>
+            </a:r>
+            <a:r>
+              <a:rPr lang="es-ES" sz="3200" dirty="0">
+                <a:solidFill>
+                  <a:schemeClr val="tx1"/>
+                </a:solidFill>
+              </a:rPr>
+              <a:t>web conectado a blockchain.</a:t>
+            </a:r>
+          </a:p>
+        </p:txBody>
+      </p:sp>
+      <p:sp>
+        <p:nvSpPr>
+          <p:cNvPr id="14" name="Rectángulo: esquinas redondeadas 13">
+            <a:extLst>
+              <a:ext uri="{FF2B5EF4-FFF2-40B4-BE49-F238E27FC236}">
+                <a16:creationId xmlns:a16="http://schemas.microsoft.com/office/drawing/2014/main" id="{577018EE-A53B-3CC8-0579-61025232FED6}"/>
+              </a:ext>
+            </a:extLst>
+          </p:cNvPr>
+          <p:cNvSpPr/>
+          <p:nvPr/>
+        </p:nvSpPr>
+        <p:spPr>
+          <a:xfrm>
+            <a:off x="1025116" y="11423948"/>
+            <a:ext cx="11538879" cy="1648978"/>
+          </a:xfrm>
+          <a:prstGeom prst="roundRect">
+            <a:avLst/>
+          </a:prstGeom>
+        </p:spPr>
+        <p:style>
+          <a:lnRef idx="2">
+            <a:schemeClr val="accent1">
+              <a:shade val="15000"/>
+            </a:schemeClr>
+          </a:lnRef>
+          <a:fillRef idx="1">
+            <a:schemeClr val="accent1"/>
+          </a:fillRef>
+          <a:effectRef idx="0">
+            <a:schemeClr val="accent1"/>
+          </a:effectRef>
+          <a:fontRef idx="minor">
+            <a:schemeClr val="lt1"/>
+          </a:fontRef>
+        </p:style>
+        <p:txBody>
+          <a:bodyPr rtlCol="0" anchor="ctr"/>
+          <a:lstStyle/>
+          <a:p>
+            <a:pPr algn="ctr"/>
+            <a:r>
+              <a:rPr lang="es-ES" dirty="0"/>
+              <a:t>Funcionamiento</a:t>
+            </a:r>
+          </a:p>
+        </p:txBody>
+      </p:sp>
+      <p:sp>
+        <p:nvSpPr>
+          <p:cNvPr id="18" name="Rectángulo 17">
+            <a:extLst>
+              <a:ext uri="{FF2B5EF4-FFF2-40B4-BE49-F238E27FC236}">
+                <a16:creationId xmlns:a16="http://schemas.microsoft.com/office/drawing/2014/main" id="{67D22383-8A33-4BAC-72F0-A7B4A43994BB}"/>
+              </a:ext>
+            </a:extLst>
+          </p:cNvPr>
+          <p:cNvSpPr/>
+          <p:nvPr/>
+        </p:nvSpPr>
+        <p:spPr>
+          <a:xfrm>
+            <a:off x="1067297" y="16292563"/>
+            <a:ext cx="11320387" cy="3853604"/>
+          </a:xfrm>
+          <a:prstGeom prst="rect">
+            <a:avLst/>
+          </a:prstGeom>
+          <a:noFill/>
+          <a:ln>
+            <a:noFill/>
+          </a:ln>
+        </p:spPr>
+        <p:style>
+          <a:lnRef idx="2">
+            <a:schemeClr val="accent1">
+              <a:shade val="15000"/>
+            </a:schemeClr>
+          </a:lnRef>
+          <a:fillRef idx="1">
+            <a:schemeClr val="accent1"/>
+          </a:fillRef>
+          <a:effectRef idx="0">
+            <a:schemeClr val="accent1"/>
+          </a:effectRef>
+          <a:fontRef idx="minor">
+            <a:schemeClr val="lt1"/>
+          </a:fontRef>
+        </p:style>
+        <p:txBody>
+          <a:bodyPr rtlCol="0" anchor="ctr"/>
+          <a:lstStyle/>
+          <a:p>
+            <a:pPr marL="457200" indent="-457200">
+              <a:buFont typeface="Arial" panose="020B0604020202020204" pitchFamily="34" charset="0"/>
+              <a:buChar char="•"/>
+            </a:pPr>
+            <a:r>
+              <a:rPr lang="es-ES" sz="3200" b="1" dirty="0">
+                <a:solidFill>
+                  <a:schemeClr val="tx1"/>
+                </a:solidFill>
+              </a:rPr>
+              <a:t>Emisión</a:t>
+            </a:r>
+            <a:r>
+              <a:rPr lang="es-ES" sz="3200" dirty="0">
+                <a:solidFill>
+                  <a:schemeClr val="tx1"/>
+                </a:solidFill>
+              </a:rPr>
+              <a:t>: la universidad genera un diploma digital. (token NFT en su contrato inteligente)</a:t>
+            </a:r>
+          </a:p>
+          <a:p>
+            <a:pPr marL="457200" indent="-457200">
+              <a:buFont typeface="Arial" panose="020B0604020202020204" pitchFamily="34" charset="0"/>
+              <a:buChar char="•"/>
+            </a:pPr>
+            <a:r>
+              <a:rPr lang="es-ES" sz="3200" b="1" dirty="0">
+                <a:solidFill>
+                  <a:schemeClr val="tx1"/>
+                </a:solidFill>
+              </a:rPr>
+              <a:t>Registro</a:t>
+            </a:r>
+            <a:r>
+              <a:rPr lang="es-ES" sz="3200" dirty="0">
+                <a:solidFill>
+                  <a:schemeClr val="tx1"/>
+                </a:solidFill>
+              </a:rPr>
+              <a:t>: el diploma se almacena como un hash en blockchain (inmutable).</a:t>
+            </a:r>
+          </a:p>
+          <a:p>
+            <a:pPr marL="457200" indent="-457200">
+              <a:buFont typeface="Arial" panose="020B0604020202020204" pitchFamily="34" charset="0"/>
+              <a:buChar char="•"/>
+            </a:pPr>
+            <a:r>
+              <a:rPr lang="es-ES" sz="3200" b="1" dirty="0">
+                <a:solidFill>
+                  <a:schemeClr val="tx1"/>
+                </a:solidFill>
+              </a:rPr>
+              <a:t>Verificación</a:t>
+            </a:r>
+            <a:r>
+              <a:rPr lang="es-ES" sz="3200" dirty="0">
+                <a:solidFill>
+                  <a:schemeClr val="tx1"/>
+                </a:solidFill>
+              </a:rPr>
+              <a:t>: cualquier persona puede introducir el ID en la web para comprobar la autenticidad además de verlo en un explorador de bloques</a:t>
+            </a:r>
+          </a:p>
+        </p:txBody>
+      </p:sp>
+      <p:pic>
+        <p:nvPicPr>
+          <p:cNvPr id="13" name="Imagen 12">
+            <a:extLst>
+              <a:ext uri="{FF2B5EF4-FFF2-40B4-BE49-F238E27FC236}">
+                <a16:creationId xmlns:a16="http://schemas.microsoft.com/office/drawing/2014/main" id="{0CFD07C5-C46B-46FB-4FA8-36B1FF09A695}"/>
+              </a:ext>
+            </a:extLst>
+          </p:cNvPr>
+          <p:cNvPicPr>
+            <a:picLocks noChangeAspect="1"/>
+          </p:cNvPicPr>
+          <p:nvPr/>
+        </p:nvPicPr>
+        <p:blipFill>
+          <a:blip r:embed="rId5"/>
+          <a:stretch>
+            <a:fillRect/>
+          </a:stretch>
+        </p:blipFill>
+        <p:spPr>
+          <a:xfrm>
+            <a:off x="14116662" y="11519354"/>
+            <a:ext cx="11155286" cy="6345047"/>
+          </a:xfrm>
+          <a:prstGeom prst="rect">
+            <a:avLst/>
+          </a:prstGeom>
+        </p:spPr>
+      </p:pic>
+      <p:sp>
+        <p:nvSpPr>
+          <p:cNvPr id="15" name="Rectángulo: esquinas redondeadas 14">
+            <a:extLst>
+              <a:ext uri="{FF2B5EF4-FFF2-40B4-BE49-F238E27FC236}">
+                <a16:creationId xmlns:a16="http://schemas.microsoft.com/office/drawing/2014/main" id="{CCD3613F-22F5-290B-522E-08D9A11A3075}"/>
+              </a:ext>
+            </a:extLst>
+          </p:cNvPr>
+          <p:cNvSpPr/>
+          <p:nvPr/>
+        </p:nvSpPr>
+        <p:spPr>
+          <a:xfrm>
+            <a:off x="9622763" y="33045387"/>
             <a:ext cx="10516922" cy="1648978"/>
           </a:xfrm>
           <a:prstGeom prst="roundRect">
@@ -3710,17 +4297,17 @@
             <a:pPr algn="ctr"/>
             <a:r>
               <a:rPr lang="es-ES" dirty="0"/>
-              <a:t>Problema</a:t>
-            </a:r>
-          </a:p>
-        </p:txBody>
-      </p:sp>
-      <p:sp>
-        <p:nvSpPr>
-          <p:cNvPr id="9" name="Rectángulo 8">
+              <a:t>Conclusiones</a:t>
+            </a:r>
+          </a:p>
+        </p:txBody>
+      </p:sp>
+      <p:sp>
+        <p:nvSpPr>
+          <p:cNvPr id="16" name="Rectángulo 15">
             <a:extLst>
               <a:ext uri="{FF2B5EF4-FFF2-40B4-BE49-F238E27FC236}">
-                <a16:creationId xmlns:a16="http://schemas.microsoft.com/office/drawing/2014/main" id="{9FA287AD-E5DC-CE29-5C68-024C61550AD2}"/>
+                <a16:creationId xmlns:a16="http://schemas.microsoft.com/office/drawing/2014/main" id="{23B4593E-8715-C874-0B1D-67D21536CF12}"/>
               </a:ext>
             </a:extLst>
           </p:cNvPr>
@@ -3729,7 +4316,7 @@
         </p:nvSpPr>
         <p:spPr>
           <a:xfrm>
-            <a:off x="1025118" y="6765457"/>
+            <a:off x="9723510" y="34842120"/>
             <a:ext cx="10516921" cy="3853604"/>
           </a:xfrm>
           <a:prstGeom prst="rect">
@@ -3763,475 +4350,6 @@
                   <a:schemeClr val="tx1"/>
                 </a:solidFill>
               </a:rPr>
-              <a:t>El fraude en títulos y diplomas académicos es un desafío creciente a nivel mundial. Actualmente, la verificación de credenciales es un proceso:</a:t>
-            </a:r>
-          </a:p>
-          <a:p>
-            <a:pPr marL="457200" indent="-457200">
-              <a:buFont typeface="Arial" panose="020B0604020202020204" pitchFamily="34" charset="0"/>
-              <a:buChar char="•"/>
-            </a:pPr>
-            <a:endParaRPr lang="es-ES" sz="3200" dirty="0">
-              <a:solidFill>
-                <a:schemeClr val="tx1"/>
-              </a:solidFill>
-            </a:endParaRPr>
-          </a:p>
-          <a:p>
-            <a:pPr marL="457200" indent="-457200">
-              <a:buFont typeface="Arial" panose="020B0604020202020204" pitchFamily="34" charset="0"/>
-              <a:buChar char="•"/>
-            </a:pPr>
-            <a:r>
-              <a:rPr lang="es-ES" sz="3200" dirty="0">
-                <a:solidFill>
-                  <a:schemeClr val="tx1"/>
-                </a:solidFill>
-              </a:rPr>
-              <a:t>Lento (requiere contacto con universidades).</a:t>
-            </a:r>
-          </a:p>
-          <a:p>
-            <a:pPr marL="457200" indent="-457200">
-              <a:buFont typeface="Arial" panose="020B0604020202020204" pitchFamily="34" charset="0"/>
-              <a:buChar char="•"/>
-            </a:pPr>
-            <a:r>
-              <a:rPr lang="es-ES" sz="3200" dirty="0">
-                <a:solidFill>
-                  <a:schemeClr val="tx1"/>
-                </a:solidFill>
-              </a:rPr>
-              <a:t>Costoso (inversión en sistemas centralizados).</a:t>
-            </a:r>
-          </a:p>
-          <a:p>
-            <a:pPr marL="457200" indent="-457200">
-              <a:buFont typeface="Arial" panose="020B0604020202020204" pitchFamily="34" charset="0"/>
-              <a:buChar char="•"/>
-            </a:pPr>
-            <a:r>
-              <a:rPr lang="es-ES" sz="3200" dirty="0">
-                <a:solidFill>
-                  <a:schemeClr val="tx1"/>
-                </a:solidFill>
-              </a:rPr>
-              <a:t>Inseguro (documentos manipulables o falsificados).</a:t>
-            </a:r>
-          </a:p>
-        </p:txBody>
-      </p:sp>
-      <p:sp>
-        <p:nvSpPr>
-          <p:cNvPr id="10" name="Rectángulo: esquinas redondeadas 9">
-            <a:extLst>
-              <a:ext uri="{FF2B5EF4-FFF2-40B4-BE49-F238E27FC236}">
-                <a16:creationId xmlns:a16="http://schemas.microsoft.com/office/drawing/2014/main" id="{0DEE0E8F-C55E-541D-25EE-66D868BA1C1C}"/>
-              </a:ext>
-            </a:extLst>
-          </p:cNvPr>
-          <p:cNvSpPr/>
-          <p:nvPr/>
-        </p:nvSpPr>
-        <p:spPr>
-          <a:xfrm>
-            <a:off x="14436203" y="4358144"/>
-            <a:ext cx="10516922" cy="1648978"/>
-          </a:xfrm>
-          <a:prstGeom prst="roundRect">
-            <a:avLst/>
-          </a:prstGeom>
-        </p:spPr>
-        <p:style>
-          <a:lnRef idx="2">
-            <a:schemeClr val="accent1">
-              <a:shade val="15000"/>
-            </a:schemeClr>
-          </a:lnRef>
-          <a:fillRef idx="1">
-            <a:schemeClr val="accent1"/>
-          </a:fillRef>
-          <a:effectRef idx="0">
-            <a:schemeClr val="accent1"/>
-          </a:effectRef>
-          <a:fontRef idx="minor">
-            <a:schemeClr val="lt1"/>
-          </a:fontRef>
-        </p:style>
-        <p:txBody>
-          <a:bodyPr rtlCol="0" anchor="ctr"/>
-          <a:lstStyle/>
-          <a:p>
-            <a:pPr algn="ctr"/>
-            <a:r>
-              <a:rPr lang="es-ES" dirty="0"/>
-              <a:t>Objetivos</a:t>
-            </a:r>
-          </a:p>
-        </p:txBody>
-      </p:sp>
-      <p:sp>
-        <p:nvSpPr>
-          <p:cNvPr id="12" name="Rectángulo 11">
-            <a:extLst>
-              <a:ext uri="{FF2B5EF4-FFF2-40B4-BE49-F238E27FC236}">
-                <a16:creationId xmlns:a16="http://schemas.microsoft.com/office/drawing/2014/main" id="{C2F6E479-19C4-D909-BFFE-9B999432B27D}"/>
-              </a:ext>
-            </a:extLst>
-          </p:cNvPr>
-          <p:cNvSpPr/>
-          <p:nvPr/>
-        </p:nvSpPr>
-        <p:spPr>
-          <a:xfrm>
-            <a:off x="14436204" y="6765457"/>
-            <a:ext cx="11079490" cy="3853604"/>
-          </a:xfrm>
-          <a:prstGeom prst="rect">
-            <a:avLst/>
-          </a:prstGeom>
-          <a:noFill/>
-        </p:spPr>
-        <p:style>
-          <a:lnRef idx="2">
-            <a:schemeClr val="accent1">
-              <a:shade val="15000"/>
-            </a:schemeClr>
-          </a:lnRef>
-          <a:fillRef idx="1">
-            <a:schemeClr val="accent1"/>
-          </a:fillRef>
-          <a:effectRef idx="0">
-            <a:schemeClr val="accent1"/>
-          </a:effectRef>
-          <a:fontRef idx="minor">
-            <a:schemeClr val="lt1"/>
-          </a:fontRef>
-        </p:style>
-        <p:txBody>
-          <a:bodyPr rtlCol="0" anchor="ctr"/>
-          <a:lstStyle/>
-          <a:p>
-            <a:pPr marL="457200" indent="-457200">
-              <a:buFont typeface="Arial" panose="020B0604020202020204" pitchFamily="34" charset="0"/>
-              <a:buChar char="•"/>
-            </a:pPr>
-            <a:r>
-              <a:rPr lang="es-ES" sz="3200" dirty="0">
-                <a:solidFill>
-                  <a:schemeClr val="tx1"/>
-                </a:solidFill>
-              </a:rPr>
-              <a:t>Garantizar la autenticidad de títulos académicos.</a:t>
-            </a:r>
-          </a:p>
-          <a:p>
-            <a:pPr marL="457200" indent="-457200">
-              <a:buFont typeface="Arial" panose="020B0604020202020204" pitchFamily="34" charset="0"/>
-              <a:buChar char="•"/>
-            </a:pPr>
-            <a:r>
-              <a:rPr lang="es-ES" sz="3200" dirty="0">
-                <a:solidFill>
-                  <a:schemeClr val="tx1"/>
-                </a:solidFill>
-              </a:rPr>
-              <a:t>Reducir la falsificación y aumentar la confianza institucional.</a:t>
-            </a:r>
-          </a:p>
-          <a:p>
-            <a:pPr marL="457200" indent="-457200">
-              <a:buFont typeface="Arial" panose="020B0604020202020204" pitchFamily="34" charset="0"/>
-              <a:buChar char="•"/>
-            </a:pPr>
-            <a:r>
-              <a:rPr lang="es-ES" sz="3200" dirty="0">
-                <a:solidFill>
-                  <a:schemeClr val="tx1"/>
-                </a:solidFill>
-              </a:rPr>
-              <a:t>Simplificar la verificación para empresas y universidades.</a:t>
-            </a:r>
-          </a:p>
-          <a:p>
-            <a:pPr marL="457200" indent="-457200">
-              <a:buFont typeface="Arial" panose="020B0604020202020204" pitchFamily="34" charset="0"/>
-              <a:buChar char="•"/>
-            </a:pPr>
-            <a:r>
-              <a:rPr lang="es-ES" sz="3200" dirty="0">
-                <a:solidFill>
-                  <a:schemeClr val="tx1"/>
-                </a:solidFill>
-              </a:rPr>
-              <a:t>Ofrecer a los estudiantes control y portabilidad de sus credenciales.</a:t>
-            </a:r>
-          </a:p>
-          <a:p>
-            <a:pPr marL="457200" indent="-457200">
-              <a:buFont typeface="Arial" panose="020B0604020202020204" pitchFamily="34" charset="0"/>
-              <a:buChar char="•"/>
-            </a:pPr>
-            <a:r>
-              <a:rPr lang="es-ES" sz="3200" dirty="0">
-                <a:solidFill>
-                  <a:schemeClr val="tx1"/>
-                </a:solidFill>
-              </a:rPr>
-              <a:t>Desarrollar un prototipo funcional web conectado a blockchain.</a:t>
-            </a:r>
-          </a:p>
-        </p:txBody>
-      </p:sp>
-      <p:sp>
-        <p:nvSpPr>
-          <p:cNvPr id="14" name="Rectángulo: esquinas redondeadas 13">
-            <a:extLst>
-              <a:ext uri="{FF2B5EF4-FFF2-40B4-BE49-F238E27FC236}">
-                <a16:creationId xmlns:a16="http://schemas.microsoft.com/office/drawing/2014/main" id="{577018EE-A53B-3CC8-0579-61025232FED6}"/>
-              </a:ext>
-            </a:extLst>
-          </p:cNvPr>
-          <p:cNvSpPr/>
-          <p:nvPr/>
-        </p:nvSpPr>
-        <p:spPr>
-          <a:xfrm>
-            <a:off x="1025117" y="12187949"/>
-            <a:ext cx="10516922" cy="1648978"/>
-          </a:xfrm>
-          <a:prstGeom prst="roundRect">
-            <a:avLst/>
-          </a:prstGeom>
-        </p:spPr>
-        <p:style>
-          <a:lnRef idx="2">
-            <a:schemeClr val="accent1">
-              <a:shade val="15000"/>
-            </a:schemeClr>
-          </a:lnRef>
-          <a:fillRef idx="1">
-            <a:schemeClr val="accent1"/>
-          </a:fillRef>
-          <a:effectRef idx="0">
-            <a:schemeClr val="accent1"/>
-          </a:effectRef>
-          <a:fontRef idx="minor">
-            <a:schemeClr val="lt1"/>
-          </a:fontRef>
-        </p:style>
-        <p:txBody>
-          <a:bodyPr rtlCol="0" anchor="ctr"/>
-          <a:lstStyle/>
-          <a:p>
-            <a:pPr algn="ctr"/>
-            <a:r>
-              <a:rPr lang="es-ES" dirty="0"/>
-              <a:t>Funcionamiento</a:t>
-            </a:r>
-          </a:p>
-        </p:txBody>
-      </p:sp>
-      <p:sp>
-        <p:nvSpPr>
-          <p:cNvPr id="18" name="Rectángulo 17">
-            <a:extLst>
-              <a:ext uri="{FF2B5EF4-FFF2-40B4-BE49-F238E27FC236}">
-                <a16:creationId xmlns:a16="http://schemas.microsoft.com/office/drawing/2014/main" id="{67D22383-8A33-4BAC-72F0-A7B4A43994BB}"/>
-              </a:ext>
-            </a:extLst>
-          </p:cNvPr>
-          <p:cNvSpPr/>
-          <p:nvPr/>
-        </p:nvSpPr>
-        <p:spPr>
-          <a:xfrm>
-            <a:off x="1011273" y="14643946"/>
-            <a:ext cx="10516921" cy="3853604"/>
-          </a:xfrm>
-          <a:prstGeom prst="rect">
-            <a:avLst/>
-          </a:prstGeom>
-          <a:noFill/>
-        </p:spPr>
-        <p:style>
-          <a:lnRef idx="2">
-            <a:schemeClr val="accent1">
-              <a:shade val="15000"/>
-            </a:schemeClr>
-          </a:lnRef>
-          <a:fillRef idx="1">
-            <a:schemeClr val="accent1"/>
-          </a:fillRef>
-          <a:effectRef idx="0">
-            <a:schemeClr val="accent1"/>
-          </a:effectRef>
-          <a:fontRef idx="minor">
-            <a:schemeClr val="lt1"/>
-          </a:fontRef>
-        </p:style>
-        <p:txBody>
-          <a:bodyPr rtlCol="0" anchor="ctr"/>
-          <a:lstStyle/>
-          <a:p>
-            <a:r>
-              <a:rPr lang="es-ES" sz="3200" dirty="0">
-                <a:solidFill>
-                  <a:schemeClr val="tx1"/>
-                </a:solidFill>
-              </a:rPr>
-              <a:t>- Emisión: la universidad genera un diploma digital. (token NFT en su contrato inteligente)</a:t>
-            </a:r>
-          </a:p>
-          <a:p>
-            <a:r>
-              <a:rPr lang="es-ES" sz="3200" dirty="0">
-                <a:solidFill>
-                  <a:schemeClr val="tx1"/>
-                </a:solidFill>
-              </a:rPr>
-              <a:t>- Registro: el diploma se almacena como un hash en blockchain (inmutable).</a:t>
-            </a:r>
-          </a:p>
-          <a:p>
-            <a:r>
-              <a:rPr lang="es-ES" sz="3200" dirty="0">
-                <a:solidFill>
-                  <a:schemeClr val="tx1"/>
-                </a:solidFill>
-              </a:rPr>
-              <a:t>- Verificación: cualquier persona puede introducir el ID en la web para comprobar la autenticidad además de verlo en un explorador de bloques</a:t>
-            </a:r>
-          </a:p>
-        </p:txBody>
-      </p:sp>
-      <p:pic>
-        <p:nvPicPr>
-          <p:cNvPr id="13" name="Imagen 12">
-            <a:extLst>
-              <a:ext uri="{FF2B5EF4-FFF2-40B4-BE49-F238E27FC236}">
-                <a16:creationId xmlns:a16="http://schemas.microsoft.com/office/drawing/2014/main" id="{0CFD07C5-C46B-46FB-4FA8-36B1FF09A695}"/>
-              </a:ext>
-            </a:extLst>
-          </p:cNvPr>
-          <p:cNvPicPr>
-            <a:picLocks noChangeAspect="1"/>
-          </p:cNvPicPr>
-          <p:nvPr/>
-        </p:nvPicPr>
-        <p:blipFill>
-          <a:blip r:embed="rId5"/>
-          <a:stretch>
-            <a:fillRect/>
-          </a:stretch>
-        </p:blipFill>
-        <p:spPr>
-          <a:xfrm>
-            <a:off x="13245723" y="11507856"/>
-            <a:ext cx="12996164" cy="7392125"/>
-          </a:xfrm>
-          <a:prstGeom prst="rect">
-            <a:avLst/>
-          </a:prstGeom>
-        </p:spPr>
-      </p:pic>
-      <p:sp>
-        <p:nvSpPr>
-          <p:cNvPr id="15" name="Rectángulo: esquinas redondeadas 14">
-            <a:extLst>
-              <a:ext uri="{FF2B5EF4-FFF2-40B4-BE49-F238E27FC236}">
-                <a16:creationId xmlns:a16="http://schemas.microsoft.com/office/drawing/2014/main" id="{CCD3613F-22F5-290B-522E-08D9A11A3075}"/>
-              </a:ext>
-            </a:extLst>
-          </p:cNvPr>
-          <p:cNvSpPr/>
-          <p:nvPr/>
-        </p:nvSpPr>
-        <p:spPr>
-          <a:xfrm>
-            <a:off x="1074322" y="19908093"/>
-            <a:ext cx="10516922" cy="1648978"/>
-          </a:xfrm>
-          <a:prstGeom prst="roundRect">
-            <a:avLst/>
-          </a:prstGeom>
-        </p:spPr>
-        <p:style>
-          <a:lnRef idx="2">
-            <a:schemeClr val="accent1">
-              <a:shade val="15000"/>
-            </a:schemeClr>
-          </a:lnRef>
-          <a:fillRef idx="1">
-            <a:schemeClr val="accent1"/>
-          </a:fillRef>
-          <a:effectRef idx="0">
-            <a:schemeClr val="accent1"/>
-          </a:effectRef>
-          <a:fontRef idx="minor">
-            <a:schemeClr val="lt1"/>
-          </a:fontRef>
-        </p:style>
-        <p:txBody>
-          <a:bodyPr rtlCol="0" anchor="ctr"/>
-          <a:lstStyle/>
-          <a:p>
-            <a:pPr algn="ctr"/>
-            <a:r>
-              <a:rPr lang="es-ES" dirty="0"/>
-              <a:t>Futuro</a:t>
-            </a:r>
-          </a:p>
-        </p:txBody>
-      </p:sp>
-      <p:sp>
-        <p:nvSpPr>
-          <p:cNvPr id="16" name="Rectángulo 15">
-            <a:extLst>
-              <a:ext uri="{FF2B5EF4-FFF2-40B4-BE49-F238E27FC236}">
-                <a16:creationId xmlns:a16="http://schemas.microsoft.com/office/drawing/2014/main" id="{23B4593E-8715-C874-0B1D-67D21536CF12}"/>
-              </a:ext>
-            </a:extLst>
-          </p:cNvPr>
-          <p:cNvSpPr/>
-          <p:nvPr/>
-        </p:nvSpPr>
-        <p:spPr>
-          <a:xfrm>
-            <a:off x="1060478" y="22364090"/>
-            <a:ext cx="10516921" cy="3853604"/>
-          </a:xfrm>
-          <a:prstGeom prst="rect">
-            <a:avLst/>
-          </a:prstGeom>
-          <a:noFill/>
-        </p:spPr>
-        <p:style>
-          <a:lnRef idx="2">
-            <a:schemeClr val="accent1">
-              <a:shade val="15000"/>
-            </a:schemeClr>
-          </a:lnRef>
-          <a:fillRef idx="1">
-            <a:schemeClr val="accent1"/>
-          </a:fillRef>
-          <a:effectRef idx="0">
-            <a:schemeClr val="accent1"/>
-          </a:effectRef>
-          <a:fontRef idx="minor">
-            <a:schemeClr val="lt1"/>
-          </a:fontRef>
-        </p:style>
-        <p:txBody>
-          <a:bodyPr rtlCol="0" anchor="ctr"/>
-          <a:lstStyle/>
-          <a:p>
-            <a:r>
-              <a:rPr lang="es-ES" sz="3200" dirty="0">
-                <a:solidFill>
-                  <a:schemeClr val="tx1"/>
-                </a:solidFill>
-              </a:rPr>
               <a:t>🔒 Seguridad: los diplomas no pueden ser falsificados (registro inmutable).</a:t>
             </a:r>
           </a:p>
@@ -4289,44 +4407,8 @@
         </p:blipFill>
         <p:spPr>
           <a:xfrm>
-            <a:off x="14436203" y="20196125"/>
+            <a:off x="2615676" y="31023940"/>
             <a:ext cx="10118884" cy="5691872"/>
-          </a:xfrm>
-          <a:prstGeom prst="rect">
-            <a:avLst/>
-          </a:prstGeom>
-        </p:spPr>
-      </p:pic>
-      <p:pic>
-        <p:nvPicPr>
-          <p:cNvPr id="24" name="Imagen 23" descr="Diagrama&#10;&#10;El contenido generado por IA puede ser incorrecto.">
-            <a:extLst>
-              <a:ext uri="{FF2B5EF4-FFF2-40B4-BE49-F238E27FC236}">
-                <a16:creationId xmlns:a16="http://schemas.microsoft.com/office/drawing/2014/main" id="{11D93032-5397-88D3-0059-F92F2A1492B6}"/>
-              </a:ext>
-            </a:extLst>
-          </p:cNvPr>
-          <p:cNvPicPr>
-            <a:picLocks noChangeAspect="1"/>
-          </p:cNvPicPr>
-          <p:nvPr/>
-        </p:nvPicPr>
-        <p:blipFill>
-          <a:blip r:embed="rId7">
-            <a:extLst>
-              <a:ext uri="{28A0092B-C50C-407E-A947-70E740481C1C}">
-                <a14:useLocalDpi xmlns:a14="http://schemas.microsoft.com/office/drawing/2010/main" val="0"/>
-              </a:ext>
-            </a:extLst>
-          </a:blip>
-          <a:stretch>
-            <a:fillRect/>
-          </a:stretch>
-        </p:blipFill>
-        <p:spPr>
-          <a:xfrm>
-            <a:off x="8409055" y="24971528"/>
-            <a:ext cx="11334750" cy="9820275"/>
           </a:xfrm>
           <a:prstGeom prst="rect">
             <a:avLst/>
@@ -4348,10 +4430,10 @@
           <p:nvPr/>
         </p:nvPicPr>
         <p:blipFill>
-          <a:blip r:embed="rId8">
+          <a:blip r:embed="rId7">
             <a:extLst>
               <a:ext uri="{96DAC541-7B7A-43D3-8B79-37D633B846F1}">
-                <asvg:svgBlip xmlns:asvg="http://schemas.microsoft.com/office/drawing/2016/SVG/main" r:embed="rId9"/>
+                <asvg:svgBlip xmlns:asvg="http://schemas.microsoft.com/office/drawing/2016/SVG/main" r:embed="rId8"/>
               </a:ext>
             </a:extLst>
           </a:blip>
@@ -4384,11 +4466,11 @@
           <p:nvPr/>
         </p:nvPicPr>
         <p:blipFill>
-          <a:blip r:embed="rId10">
+          <a:blip r:embed="rId9">
             <a:extLst>
               <a:ext uri="{BEBA8EAE-BF5A-486C-A8C5-ECC9F3942E4B}">
                 <a14:imgProps xmlns:a14="http://schemas.microsoft.com/office/drawing/2010/main">
-                  <a14:imgLayer r:embed="rId11">
+                  <a14:imgLayer r:embed="rId10">
                     <a14:imgEffect>
                       <a14:backgroundRemoval t="10000" b="90000" l="10000" r="92703">
                         <a14:foregroundMark x1="59730" y1="40811" x2="42703" y2="54595"/>
@@ -4512,42 +4594,12 @@
           </a:p>
         </p:txBody>
       </p:sp>
-    </p:spTree>
-    <p:extLst>
-      <p:ext uri="{BB962C8B-B14F-4D97-AF65-F5344CB8AC3E}">
-        <p14:creationId xmlns:p14="http://schemas.microsoft.com/office/powerpoint/2010/main" val="1912822399"/>
-      </p:ext>
-    </p:extLst>
-  </p:cSld>
-  <p:clrMapOvr>
-    <a:masterClrMapping/>
-  </p:clrMapOvr>
-</p:sld>
-</file>
-
-<file path=ppt/slides/slide2.xml><?xml version="1.0" encoding="utf-8"?>
-<p:sld xmlns:a="http://schemas.openxmlformats.org/drawingml/2006/main" xmlns:r="http://schemas.openxmlformats.org/officeDocument/2006/relationships" xmlns:p="http://schemas.openxmlformats.org/presentationml/2006/main">
-  <p:cSld>
-    <p:spTree>
-      <p:nvGrpSpPr>
-        <p:cNvPr id="1" name=""/>
-        <p:cNvGrpSpPr/>
-        <p:nvPr/>
-      </p:nvGrpSpPr>
-      <p:grpSpPr>
-        <a:xfrm>
-          <a:off x="0" y="0"/>
-          <a:ext cx="0" cy="0"/>
-          <a:chOff x="0" y="0"/>
-          <a:chExt cx="0" cy="0"/>
-        </a:xfrm>
-      </p:grpSpPr>
       <p:pic>
         <p:nvPicPr>
-          <p:cNvPr id="3" name="Gráfico 2">
+          <p:cNvPr id="35" name="Imagen 34">
             <a:extLst>
               <a:ext uri="{FF2B5EF4-FFF2-40B4-BE49-F238E27FC236}">
-                <a16:creationId xmlns:a16="http://schemas.microsoft.com/office/drawing/2014/main" id="{018ACCFB-FDD8-AE13-1EEC-B1F2C019BA49}"/>
+                <a16:creationId xmlns:a16="http://schemas.microsoft.com/office/drawing/2014/main" id="{54DCFAFA-852F-CEAA-2CEB-531928B61F2D}"/>
               </a:ext>
             </a:extLst>
           </p:cNvPr>
@@ -4557,10 +4609,64 @@
           <p:nvPr/>
         </p:nvPicPr>
         <p:blipFill>
-          <a:blip r:embed="rId2">
+          <a:blip r:embed="rId9">
             <a:extLst>
-              <a:ext uri="{96DAC541-7B7A-43D3-8B79-37D633B846F1}">
-                <asvg:svgBlip xmlns:asvg="http://schemas.microsoft.com/office/drawing/2016/SVG/main" r:embed="rId3"/>
+              <a:ext uri="{BEBA8EAE-BF5A-486C-A8C5-ECC9F3942E4B}">
+                <a14:imgProps xmlns:a14="http://schemas.microsoft.com/office/drawing/2010/main">
+                  <a14:imgLayer r:embed="rId10">
+                    <a14:imgEffect>
+                      <a14:backgroundRemoval t="10000" b="90000" l="10000" r="92703">
+                        <a14:foregroundMark x1="59730" y1="40811" x2="42703" y2="54595"/>
+                        <a14:foregroundMark x1="42703" y1="54595" x2="43514" y2="81892"/>
+                        <a14:foregroundMark x1="43514" y1="81892" x2="43514" y2="81351"/>
+                        <a14:foregroundMark x1="35405" y1="35946" x2="39730" y2="71622"/>
+                        <a14:foregroundMark x1="39730" y1="71622" x2="33784" y2="44865"/>
+                        <a14:foregroundMark x1="33784" y1="44865" x2="74054" y2="79730"/>
+                        <a14:foregroundMark x1="74054" y1="79730" x2="58649" y2="79189"/>
+                        <a14:foregroundMark x1="58649" y1="79189" x2="71622" y2="80270"/>
+                        <a14:foregroundMark x1="80270" y1="77568" x2="63243" y2="78108"/>
+                        <a14:foregroundMark x1="63243" y1="78108" x2="50541" y2="71081"/>
+                        <a14:foregroundMark x1="64595" y1="80811" x2="41892" y2="70000"/>
+                        <a14:foregroundMark x1="41892" y1="70000" x2="31081" y2="72162"/>
+                        <a14:foregroundMark x1="35946" y1="79189" x2="31622" y2="77027"/>
+                        <a14:foregroundMark x1="58649" y1="35946" x2="59189" y2="51081"/>
+                        <a14:foregroundMark x1="59189" y1="51081" x2="71351" y2="58649"/>
+                        <a14:foregroundMark x1="71351" y1="58649" x2="71081" y2="61351"/>
+                        <a14:foregroundMark x1="60811" y1="60270" x2="71622" y2="55405"/>
+                        <a14:foregroundMark x1="66216" y1="40270" x2="67838" y2="41892"/>
+                        <a14:foregroundMark x1="57027" y1="31622" x2="58108" y2="24054"/>
+                        <a14:foregroundMark x1="39730" y1="28919" x2="34865" y2="27297"/>
+                        <a14:foregroundMark x1="15405" y1="19730" x2="20811" y2="27297"/>
+                        <a14:foregroundMark x1="11622" y1="30000" x2="10000" y2="21351"/>
+                        <a14:foregroundMark x1="41892" y1="19730" x2="41892" y2="19730"/>
+                        <a14:foregroundMark x1="53784" y1="21351" x2="53784" y2="21351"/>
+                        <a14:foregroundMark x1="48919" y1="23514" x2="48919" y2="23514"/>
+                        <a14:foregroundMark x1="44595" y1="23514" x2="42973" y2="24595"/>
+                        <a14:foregroundMark x1="42973" y1="24595" x2="42973" y2="35405"/>
+                        <a14:foregroundMark x1="42973" y1="37568" x2="42973" y2="37568"/>
+                        <a14:foregroundMark x1="42973" y1="42432" x2="41892" y2="46216"/>
+                        <a14:foregroundMark x1="35946" y1="24054" x2="35946" y2="24054"/>
+                        <a14:foregroundMark x1="35946" y1="24054" x2="35946" y2="24054"/>
+                        <a14:foregroundMark x1="35405" y1="24054" x2="35405" y2="24054"/>
+                        <a14:foregroundMark x1="47838" y1="22973" x2="49459" y2="22973"/>
+                        <a14:foregroundMark x1="57568" y1="22432" x2="57568" y2="22432"/>
+                        <a14:foregroundMark x1="67297" y1="24595" x2="67297" y2="24595"/>
+                        <a14:foregroundMark x1="67297" y1="24595" x2="67297" y2="24595"/>
+                        <a14:foregroundMark x1="67297" y1="28919" x2="67297" y2="28919"/>
+                        <a14:foregroundMark x1="67297" y1="29459" x2="67297" y2="29459"/>
+                        <a14:foregroundMark x1="67297" y1="44595" x2="67297" y2="44595"/>
+                        <a14:foregroundMark x1="67297" y1="44595" x2="67297" y2="44595"/>
+                        <a14:foregroundMark x1="66216" y1="31081" x2="66216" y2="31081"/>
+                        <a14:foregroundMark x1="66216" y1="31081" x2="66216" y2="31081"/>
+                        <a14:foregroundMark x1="65676" y1="31081" x2="65676" y2="31081"/>
+                        <a14:foregroundMark x1="62973" y1="30000" x2="62973" y2="30000"/>
+                        <a14:foregroundMark x1="63514" y1="25135" x2="70541" y2="40270"/>
+                        <a14:foregroundMark x1="66216" y1="25676" x2="67838" y2="38108"/>
+                        <a14:foregroundMark x1="92703" y1="74324" x2="92703" y2="74324"/>
+                      </a14:backgroundRemoval>
+                    </a14:imgEffect>
+                  </a14:imgLayer>
+                </a14:imgProps>
               </a:ext>
             </a:extLst>
           </a:blip>
@@ -4570,8 +4676,496 @@
         </p:blipFill>
         <p:spPr>
           <a:xfrm>
-            <a:off x="-1261540" y="18930540"/>
-            <a:ext cx="3333750" cy="3333750"/>
+            <a:off x="1079380" y="13453718"/>
+            <a:ext cx="2521984" cy="2521984"/>
+          </a:xfrm>
+          <a:prstGeom prst="rect">
+            <a:avLst/>
+          </a:prstGeom>
+        </p:spPr>
+      </p:pic>
+      <p:pic>
+        <p:nvPicPr>
+          <p:cNvPr id="42" name="Gráfico 41">
+            <a:extLst>
+              <a:ext uri="{FF2B5EF4-FFF2-40B4-BE49-F238E27FC236}">
+                <a16:creationId xmlns:a16="http://schemas.microsoft.com/office/drawing/2014/main" id="{67A21CF8-BAE0-9689-70FB-E3E81120EC8C}"/>
+              </a:ext>
+            </a:extLst>
+          </p:cNvPr>
+          <p:cNvPicPr>
+            <a:picLocks noChangeAspect="1"/>
+          </p:cNvPicPr>
+          <p:nvPr/>
+        </p:nvPicPr>
+        <p:blipFill>
+          <a:blip r:embed="rId11">
+            <a:extLst>
+              <a:ext uri="{96DAC541-7B7A-43D3-8B79-37D633B846F1}">
+                <asvg:svgBlip xmlns:asvg="http://schemas.microsoft.com/office/drawing/2016/SVG/main" r:embed="rId12"/>
+              </a:ext>
+            </a:extLst>
+          </a:blip>
+          <a:stretch>
+            <a:fillRect/>
+          </a:stretch>
+        </p:blipFill>
+        <p:spPr>
+          <a:xfrm>
+            <a:off x="5640575" y="13584586"/>
+            <a:ext cx="2213156" cy="2213156"/>
+          </a:xfrm>
+          <a:prstGeom prst="rect">
+            <a:avLst/>
+          </a:prstGeom>
+        </p:spPr>
+      </p:pic>
+      <p:pic>
+        <p:nvPicPr>
+          <p:cNvPr id="44" name="Imagen 43" descr="Icono&#10;&#10;El contenido generado por IA puede ser incorrecto.">
+            <a:extLst>
+              <a:ext uri="{FF2B5EF4-FFF2-40B4-BE49-F238E27FC236}">
+                <a16:creationId xmlns:a16="http://schemas.microsoft.com/office/drawing/2014/main" id="{C133B110-A5AC-C86E-F684-EE1AE56E480D}"/>
+              </a:ext>
+            </a:extLst>
+          </p:cNvPr>
+          <p:cNvPicPr>
+            <a:picLocks noChangeAspect="1"/>
+          </p:cNvPicPr>
+          <p:nvPr/>
+        </p:nvPicPr>
+        <p:blipFill>
+          <a:blip r:embed="rId13">
+            <a:extLst>
+              <a:ext uri="{28A0092B-C50C-407E-A947-70E740481C1C}">
+                <a14:useLocalDpi xmlns:a14="http://schemas.microsoft.com/office/drawing/2010/main" val="0"/>
+              </a:ext>
+            </a:extLst>
+          </a:blip>
+          <a:stretch>
+            <a:fillRect/>
+          </a:stretch>
+        </p:blipFill>
+        <p:spPr>
+          <a:xfrm>
+            <a:off x="10196336" y="13593828"/>
+            <a:ext cx="2191348" cy="2191348"/>
+          </a:xfrm>
+          <a:prstGeom prst="rect">
+            <a:avLst/>
+          </a:prstGeom>
+        </p:spPr>
+      </p:pic>
+      <p:sp>
+        <p:nvSpPr>
+          <p:cNvPr id="46" name="Flecha: a la izquierda y derecha 45">
+            <a:extLst>
+              <a:ext uri="{FF2B5EF4-FFF2-40B4-BE49-F238E27FC236}">
+                <a16:creationId xmlns:a16="http://schemas.microsoft.com/office/drawing/2014/main" id="{45370C24-3792-F34D-836B-782CD966CD11}"/>
+              </a:ext>
+            </a:extLst>
+          </p:cNvPr>
+          <p:cNvSpPr/>
+          <p:nvPr/>
+        </p:nvSpPr>
+        <p:spPr>
+          <a:xfrm>
+            <a:off x="3775535" y="14483672"/>
+            <a:ext cx="1296503" cy="414492"/>
+          </a:xfrm>
+          <a:prstGeom prst="leftRightArrow">
+            <a:avLst/>
+          </a:prstGeom>
+          <a:solidFill>
+            <a:srgbClr val="0070C0"/>
+          </a:solidFill>
+          <a:ln>
+            <a:solidFill>
+              <a:schemeClr val="tx1"/>
+            </a:solidFill>
+          </a:ln>
+        </p:spPr>
+        <p:style>
+          <a:lnRef idx="2">
+            <a:schemeClr val="accent1">
+              <a:shade val="15000"/>
+            </a:schemeClr>
+          </a:lnRef>
+          <a:fillRef idx="1">
+            <a:schemeClr val="accent1"/>
+          </a:fillRef>
+          <a:effectRef idx="0">
+            <a:schemeClr val="accent1"/>
+          </a:effectRef>
+          <a:fontRef idx="minor">
+            <a:schemeClr val="lt1"/>
+          </a:fontRef>
+        </p:style>
+        <p:txBody>
+          <a:bodyPr rtlCol="0" anchor="ctr"/>
+          <a:lstStyle/>
+          <a:p>
+            <a:pPr algn="ctr"/>
+            <a:endParaRPr lang="es-ES"/>
+          </a:p>
+        </p:txBody>
+      </p:sp>
+      <p:sp>
+        <p:nvSpPr>
+          <p:cNvPr id="47" name="Flecha: a la derecha 46">
+            <a:extLst>
+              <a:ext uri="{FF2B5EF4-FFF2-40B4-BE49-F238E27FC236}">
+                <a16:creationId xmlns:a16="http://schemas.microsoft.com/office/drawing/2014/main" id="{4A8BFD91-B6A8-B345-E97B-7FFE7BBB9E04}"/>
+              </a:ext>
+            </a:extLst>
+          </p:cNvPr>
+          <p:cNvSpPr/>
+          <p:nvPr/>
+        </p:nvSpPr>
+        <p:spPr>
+          <a:xfrm>
+            <a:off x="8422267" y="14449895"/>
+            <a:ext cx="1466779" cy="448269"/>
+          </a:xfrm>
+          <a:prstGeom prst="rightArrow">
+            <a:avLst/>
+          </a:prstGeom>
+          <a:solidFill>
+            <a:srgbClr val="0070C0"/>
+          </a:solidFill>
+        </p:spPr>
+        <p:style>
+          <a:lnRef idx="2">
+            <a:schemeClr val="accent1">
+              <a:shade val="15000"/>
+            </a:schemeClr>
+          </a:lnRef>
+          <a:fillRef idx="1">
+            <a:schemeClr val="accent1"/>
+          </a:fillRef>
+          <a:effectRef idx="0">
+            <a:schemeClr val="accent1"/>
+          </a:effectRef>
+          <a:fontRef idx="minor">
+            <a:schemeClr val="lt1"/>
+          </a:fontRef>
+        </p:style>
+        <p:txBody>
+          <a:bodyPr rtlCol="0" anchor="ctr"/>
+          <a:lstStyle/>
+          <a:p>
+            <a:pPr algn="ctr"/>
+            <a:endParaRPr lang="es-ES"/>
+          </a:p>
+        </p:txBody>
+      </p:sp>
+      <p:pic>
+        <p:nvPicPr>
+          <p:cNvPr id="52" name="Imagen 51" descr="Icono&#10;&#10;El contenido generado por IA puede ser incorrecto.">
+            <a:extLst>
+              <a:ext uri="{FF2B5EF4-FFF2-40B4-BE49-F238E27FC236}">
+                <a16:creationId xmlns:a16="http://schemas.microsoft.com/office/drawing/2014/main" id="{25705D97-6A77-2D0E-85F6-E4AE376FF069}"/>
+              </a:ext>
+            </a:extLst>
+          </p:cNvPr>
+          <p:cNvPicPr>
+            <a:picLocks noChangeAspect="1"/>
+          </p:cNvPicPr>
+          <p:nvPr/>
+        </p:nvPicPr>
+        <p:blipFill>
+          <a:blip r:embed="rId13">
+            <a:extLst>
+              <a:ext uri="{28A0092B-C50C-407E-A947-70E740481C1C}">
+                <a14:useLocalDpi xmlns:a14="http://schemas.microsoft.com/office/drawing/2010/main" val="0"/>
+              </a:ext>
+            </a:extLst>
+          </a:blip>
+          <a:stretch>
+            <a:fillRect/>
+          </a:stretch>
+        </p:blipFill>
+        <p:spPr>
+          <a:xfrm>
+            <a:off x="17460540" y="29899285"/>
+            <a:ext cx="2303634" cy="2303634"/>
+          </a:xfrm>
+          <a:prstGeom prst="rect">
+            <a:avLst/>
+          </a:prstGeom>
+        </p:spPr>
+      </p:pic>
+      <p:pic>
+        <p:nvPicPr>
+          <p:cNvPr id="56" name="Imagen 55" descr="Icono&#10;&#10;El contenido generado por IA puede ser incorrecto.">
+            <a:extLst>
+              <a:ext uri="{FF2B5EF4-FFF2-40B4-BE49-F238E27FC236}">
+                <a16:creationId xmlns:a16="http://schemas.microsoft.com/office/drawing/2014/main" id="{1CF9F830-CFD3-7DD7-CBD2-E0A681FE04BD}"/>
+              </a:ext>
+            </a:extLst>
+          </p:cNvPr>
+          <p:cNvPicPr>
+            <a:picLocks noChangeAspect="1"/>
+          </p:cNvPicPr>
+          <p:nvPr/>
+        </p:nvPicPr>
+        <p:blipFill>
+          <a:blip r:embed="rId14">
+            <a:extLst>
+              <a:ext uri="{28A0092B-C50C-407E-A947-70E740481C1C}">
+                <a14:useLocalDpi xmlns:a14="http://schemas.microsoft.com/office/drawing/2010/main" val="0"/>
+              </a:ext>
+            </a:extLst>
+          </a:blip>
+          <a:stretch>
+            <a:fillRect/>
+          </a:stretch>
+        </p:blipFill>
+        <p:spPr>
+          <a:xfrm>
+            <a:off x="17460540" y="29917205"/>
+            <a:ext cx="2285714" cy="2285714"/>
+          </a:xfrm>
+          <a:prstGeom prst="rect">
+            <a:avLst/>
+          </a:prstGeom>
+        </p:spPr>
+      </p:pic>
+      <p:pic>
+        <p:nvPicPr>
+          <p:cNvPr id="58" name="Imagen 57" descr="Icono&#10;&#10;El contenido generado por IA puede ser incorrecto.">
+            <a:extLst>
+              <a:ext uri="{FF2B5EF4-FFF2-40B4-BE49-F238E27FC236}">
+                <a16:creationId xmlns:a16="http://schemas.microsoft.com/office/drawing/2014/main" id="{961BF9B2-41CF-1D7A-95D5-5BE21ED364B9}"/>
+              </a:ext>
+            </a:extLst>
+          </p:cNvPr>
+          <p:cNvPicPr>
+            <a:picLocks noChangeAspect="1"/>
+          </p:cNvPicPr>
+          <p:nvPr/>
+        </p:nvPicPr>
+        <p:blipFill>
+          <a:blip r:embed="rId15">
+            <a:extLst>
+              <a:ext uri="{BEBA8EAE-BF5A-486C-A8C5-ECC9F3942E4B}">
+                <a14:imgProps xmlns:a14="http://schemas.microsoft.com/office/drawing/2010/main">
+                  <a14:imgLayer r:embed="rId16">
+                    <a14:imgEffect>
+                      <a14:backgroundRemoval t="8889" b="90667" l="6667" r="96000">
+                        <a14:foregroundMark x1="7111" y1="44889" x2="7111" y2="44889"/>
+                        <a14:foregroundMark x1="92889" y1="46667" x2="92889" y2="46667"/>
+                        <a14:foregroundMark x1="49333" y1="49778" x2="49333" y2="49778"/>
+                        <a14:foregroundMark x1="69333" y1="91111" x2="69333" y2="91111"/>
+                        <a14:foregroundMark x1="30222" y1="91111" x2="30222" y2="91111"/>
+                        <a14:foregroundMark x1="29333" y1="8889" x2="29333" y2="8889"/>
+                        <a14:foregroundMark x1="68444" y1="8889" x2="68444" y2="8889"/>
+                        <a14:foregroundMark x1="28889" y1="9333" x2="28889" y2="9333"/>
+                        <a14:foregroundMark x1="96000" y1="49333" x2="96000" y2="49333"/>
+                      </a14:backgroundRemoval>
+                    </a14:imgEffect>
+                  </a14:imgLayer>
+                </a14:imgProps>
+              </a:ext>
+              <a:ext uri="{28A0092B-C50C-407E-A947-70E740481C1C}">
+                <a14:useLocalDpi xmlns:a14="http://schemas.microsoft.com/office/drawing/2010/main" val="0"/>
+              </a:ext>
+            </a:extLst>
+          </a:blip>
+          <a:stretch>
+            <a:fillRect/>
+          </a:stretch>
+        </p:blipFill>
+        <p:spPr>
+          <a:xfrm>
+            <a:off x="17460540" y="29934320"/>
+            <a:ext cx="2285714" cy="2285714"/>
+          </a:xfrm>
+          <a:prstGeom prst="rect">
+            <a:avLst/>
+          </a:prstGeom>
+        </p:spPr>
+      </p:pic>
+      <p:sp>
+        <p:nvSpPr>
+          <p:cNvPr id="59" name="Rectángulo 58">
+            <a:extLst>
+              <a:ext uri="{FF2B5EF4-FFF2-40B4-BE49-F238E27FC236}">
+                <a16:creationId xmlns:a16="http://schemas.microsoft.com/office/drawing/2014/main" id="{229251BB-2306-9D2A-4452-EF0B9BA1134C}"/>
+              </a:ext>
+            </a:extLst>
+          </p:cNvPr>
+          <p:cNvSpPr/>
+          <p:nvPr/>
+        </p:nvSpPr>
+        <p:spPr>
+          <a:xfrm>
+            <a:off x="3297971" y="13523855"/>
+            <a:ext cx="2285186" cy="812062"/>
+          </a:xfrm>
+          <a:prstGeom prst="rect">
+            <a:avLst/>
+          </a:prstGeom>
+          <a:noFill/>
+          <a:ln>
+            <a:noFill/>
+          </a:ln>
+        </p:spPr>
+        <p:style>
+          <a:lnRef idx="2">
+            <a:schemeClr val="accent1">
+              <a:shade val="15000"/>
+            </a:schemeClr>
+          </a:lnRef>
+          <a:fillRef idx="1">
+            <a:schemeClr val="accent1"/>
+          </a:fillRef>
+          <a:effectRef idx="0">
+            <a:schemeClr val="accent1"/>
+          </a:effectRef>
+          <a:fontRef idx="minor">
+            <a:schemeClr val="lt1"/>
+          </a:fontRef>
+        </p:style>
+        <p:txBody>
+          <a:bodyPr rtlCol="0" anchor="ctr"/>
+          <a:lstStyle/>
+          <a:p>
+            <a:pPr algn="ctr"/>
+            <a:r>
+              <a:rPr lang="es-ES" sz="1800" dirty="0">
+                <a:solidFill>
+                  <a:schemeClr val="tx1"/>
+                </a:solidFill>
+              </a:rPr>
+              <a:t>Lee y emite diplomas usando contratos inteligentes</a:t>
+            </a:r>
+          </a:p>
+        </p:txBody>
+      </p:sp>
+      <p:sp>
+        <p:nvSpPr>
+          <p:cNvPr id="60" name="Rectángulo 59">
+            <a:extLst>
+              <a:ext uri="{FF2B5EF4-FFF2-40B4-BE49-F238E27FC236}">
+                <a16:creationId xmlns:a16="http://schemas.microsoft.com/office/drawing/2014/main" id="{FDEFB7FD-67DA-7A0A-9FB5-3A955718A216}"/>
+              </a:ext>
+            </a:extLst>
+          </p:cNvPr>
+          <p:cNvSpPr/>
+          <p:nvPr/>
+        </p:nvSpPr>
+        <p:spPr>
+          <a:xfrm>
+            <a:off x="7911148" y="13540581"/>
+            <a:ext cx="2285185" cy="812062"/>
+          </a:xfrm>
+          <a:prstGeom prst="rect">
+            <a:avLst/>
+          </a:prstGeom>
+          <a:noFill/>
+          <a:ln>
+            <a:noFill/>
+          </a:ln>
+        </p:spPr>
+        <p:style>
+          <a:lnRef idx="2">
+            <a:schemeClr val="accent1">
+              <a:shade val="15000"/>
+            </a:schemeClr>
+          </a:lnRef>
+          <a:fillRef idx="1">
+            <a:schemeClr val="accent1"/>
+          </a:fillRef>
+          <a:effectRef idx="0">
+            <a:schemeClr val="accent1"/>
+          </a:effectRef>
+          <a:fontRef idx="minor">
+            <a:schemeClr val="lt1"/>
+          </a:fontRef>
+        </p:style>
+        <p:txBody>
+          <a:bodyPr rtlCol="0" anchor="ctr"/>
+          <a:lstStyle/>
+          <a:p>
+            <a:pPr algn="ctr"/>
+            <a:r>
+              <a:rPr lang="es-ES" sz="1800" dirty="0">
+                <a:solidFill>
+                  <a:schemeClr val="tx1"/>
+                </a:solidFill>
+              </a:rPr>
+              <a:t>Muestra las transacciones en la red detalladamente</a:t>
+            </a:r>
+          </a:p>
+        </p:txBody>
+      </p:sp>
+      <p:pic>
+        <p:nvPicPr>
+          <p:cNvPr id="1024" name="Imagen 1023" descr="Diagrama&#10;&#10;El contenido generado por IA puede ser incorrecto.">
+            <a:extLst>
+              <a:ext uri="{FF2B5EF4-FFF2-40B4-BE49-F238E27FC236}">
+                <a16:creationId xmlns:a16="http://schemas.microsoft.com/office/drawing/2014/main" id="{CF3F5074-9CF1-F2C2-CACF-F019D3A48C95}"/>
+              </a:ext>
+            </a:extLst>
+          </p:cNvPr>
+          <p:cNvPicPr>
+            <a:picLocks noChangeAspect="1"/>
+          </p:cNvPicPr>
+          <p:nvPr/>
+        </p:nvPicPr>
+        <p:blipFill>
+          <a:blip r:embed="rId17">
+            <a:extLst>
+              <a:ext uri="{28A0092B-C50C-407E-A947-70E740481C1C}">
+                <a14:useLocalDpi xmlns:a14="http://schemas.microsoft.com/office/drawing/2010/main" val="0"/>
+              </a:ext>
+            </a:extLst>
+          </a:blip>
+          <a:stretch>
+            <a:fillRect/>
+          </a:stretch>
+        </p:blipFill>
+        <p:spPr>
+          <a:xfrm>
+            <a:off x="1067298" y="20598116"/>
+            <a:ext cx="11496698" cy="8100484"/>
+          </a:xfrm>
+          <a:prstGeom prst="rect">
+            <a:avLst/>
+          </a:prstGeom>
+        </p:spPr>
+      </p:pic>
+      <p:pic>
+        <p:nvPicPr>
+          <p:cNvPr id="54" name="Imagen 53" descr="Logotipo&#10;&#10;El contenido generado por IA puede ser incorrecto.">
+            <a:extLst>
+              <a:ext uri="{FF2B5EF4-FFF2-40B4-BE49-F238E27FC236}">
+                <a16:creationId xmlns:a16="http://schemas.microsoft.com/office/drawing/2014/main" id="{A460FEAD-0208-4E07-9D30-91399A451DB2}"/>
+              </a:ext>
+            </a:extLst>
+          </p:cNvPr>
+          <p:cNvPicPr>
+            <a:picLocks noChangeAspect="1"/>
+          </p:cNvPicPr>
+          <p:nvPr/>
+        </p:nvPicPr>
+        <p:blipFill>
+          <a:blip r:embed="rId18">
+            <a:extLst>
+              <a:ext uri="{28A0092B-C50C-407E-A947-70E740481C1C}">
+                <a14:useLocalDpi xmlns:a14="http://schemas.microsoft.com/office/drawing/2010/main" val="0"/>
+              </a:ext>
+            </a:extLst>
+          </a:blip>
+          <a:stretch>
+            <a:fillRect/>
+          </a:stretch>
+        </p:blipFill>
+        <p:spPr>
+          <a:xfrm>
+            <a:off x="17499756" y="29917205"/>
+            <a:ext cx="2246498" cy="2246498"/>
           </a:xfrm>
           <a:prstGeom prst="rect">
             <a:avLst/>
@@ -4581,7 +5175,7 @@
     </p:spTree>
     <p:extLst>
       <p:ext uri="{BB962C8B-B14F-4D97-AF65-F5344CB8AC3E}">
-        <p14:creationId xmlns:p14="http://schemas.microsoft.com/office/powerpoint/2010/main" val="2678362348"/>
+        <p14:creationId xmlns:p14="http://schemas.microsoft.com/office/powerpoint/2010/main" val="1912822399"/>
       </p:ext>
     </p:extLst>
   </p:cSld>
